--- a/docs/Pills-vs-Deaths.pptx
+++ b/docs/Pills-vs-Deaths.pptx
@@ -3395,7 +3395,7 @@
         </p:nvCxnSpPr>
         <p:spPr>
           <a:xfrm>
-            <a:off x="112211" y="1541881"/>
+            <a:off x="84501" y="1583446"/>
             <a:ext cx="12043144" cy="0"/>
           </a:xfrm>
           <a:prstGeom prst="line">

--- a/docs/Pills-vs-Deaths.pptx
+++ b/docs/Pills-vs-Deaths.pptx
@@ -6,6 +6,8 @@
   </p:sldMasterIdLst>
   <p:sldIdLst>
     <p:sldId id="256" r:id="rId2"/>
+    <p:sldId id="257" r:id="rId3"/>
+    <p:sldId id="258" r:id="rId4"/>
   </p:sldIdLst>
   <p:sldSz cx="12192000" cy="6858000"/>
   <p:notesSz cx="6858000" cy="9144000"/>
@@ -104,6 +106,11 @@
       </a:defRPr>
     </a:lvl9pPr>
   </p:defaultTextStyle>
+  <p:extLst>
+    <p:ext uri="{EFAFB233-063F-42B5-8137-9DF3F51BA10A}">
+      <p15:sldGuideLst xmlns:p15="http://schemas.microsoft.com/office/powerpoint/2012/main"/>
+    </p:ext>
+  </p:extLst>
 </p:presentation>
 </file>
 
@@ -254,7 +261,7 @@
           <a:p>
             <a:fld id="{D4C3F21E-C350-DA40-BA88-55A8C800D69F}" type="datetimeFigureOut">
               <a:rPr lang="en-US" smtClean="0"/>
-              <a:t>11/17/19</a:t>
+              <a:t>11/19/19</a:t>
             </a:fld>
             <a:endParaRPr lang="en-US"/>
           </a:p>
@@ -452,7 +459,7 @@
           <a:p>
             <a:fld id="{D4C3F21E-C350-DA40-BA88-55A8C800D69F}" type="datetimeFigureOut">
               <a:rPr lang="en-US" smtClean="0"/>
-              <a:t>11/17/19</a:t>
+              <a:t>11/19/19</a:t>
             </a:fld>
             <a:endParaRPr lang="en-US"/>
           </a:p>
@@ -660,7 +667,7 @@
           <a:p>
             <a:fld id="{D4C3F21E-C350-DA40-BA88-55A8C800D69F}" type="datetimeFigureOut">
               <a:rPr lang="en-US" smtClean="0"/>
-              <a:t>11/17/19</a:t>
+              <a:t>11/19/19</a:t>
             </a:fld>
             <a:endParaRPr lang="en-US"/>
           </a:p>
@@ -858,7 +865,7 @@
           <a:p>
             <a:fld id="{D4C3F21E-C350-DA40-BA88-55A8C800D69F}" type="datetimeFigureOut">
               <a:rPr lang="en-US" smtClean="0"/>
-              <a:t>11/17/19</a:t>
+              <a:t>11/19/19</a:t>
             </a:fld>
             <a:endParaRPr lang="en-US"/>
           </a:p>
@@ -1133,7 +1140,7 @@
           <a:p>
             <a:fld id="{D4C3F21E-C350-DA40-BA88-55A8C800D69F}" type="datetimeFigureOut">
               <a:rPr lang="en-US" smtClean="0"/>
-              <a:t>11/17/19</a:t>
+              <a:t>11/19/19</a:t>
             </a:fld>
             <a:endParaRPr lang="en-US"/>
           </a:p>
@@ -1398,7 +1405,7 @@
           <a:p>
             <a:fld id="{D4C3F21E-C350-DA40-BA88-55A8C800D69F}" type="datetimeFigureOut">
               <a:rPr lang="en-US" smtClean="0"/>
-              <a:t>11/17/19</a:t>
+              <a:t>11/19/19</a:t>
             </a:fld>
             <a:endParaRPr lang="en-US"/>
           </a:p>
@@ -1810,7 +1817,7 @@
           <a:p>
             <a:fld id="{D4C3F21E-C350-DA40-BA88-55A8C800D69F}" type="datetimeFigureOut">
               <a:rPr lang="en-US" smtClean="0"/>
-              <a:t>11/17/19</a:t>
+              <a:t>11/19/19</a:t>
             </a:fld>
             <a:endParaRPr lang="en-US"/>
           </a:p>
@@ -1951,7 +1958,7 @@
           <a:p>
             <a:fld id="{D4C3F21E-C350-DA40-BA88-55A8C800D69F}" type="datetimeFigureOut">
               <a:rPr lang="en-US" smtClean="0"/>
-              <a:t>11/17/19</a:t>
+              <a:t>11/19/19</a:t>
             </a:fld>
             <a:endParaRPr lang="en-US"/>
           </a:p>
@@ -2064,7 +2071,7 @@
           <a:p>
             <a:fld id="{D4C3F21E-C350-DA40-BA88-55A8C800D69F}" type="datetimeFigureOut">
               <a:rPr lang="en-US" smtClean="0"/>
-              <a:t>11/17/19</a:t>
+              <a:t>11/19/19</a:t>
             </a:fld>
             <a:endParaRPr lang="en-US"/>
           </a:p>
@@ -2375,7 +2382,7 @@
           <a:p>
             <a:fld id="{D4C3F21E-C350-DA40-BA88-55A8C800D69F}" type="datetimeFigureOut">
               <a:rPr lang="en-US" smtClean="0"/>
-              <a:t>11/17/19</a:t>
+              <a:t>11/19/19</a:t>
             </a:fld>
             <a:endParaRPr lang="en-US"/>
           </a:p>
@@ -2663,7 +2670,7 @@
           <a:p>
             <a:fld id="{D4C3F21E-C350-DA40-BA88-55A8C800D69F}" type="datetimeFigureOut">
               <a:rPr lang="en-US" smtClean="0"/>
-              <a:t>11/17/19</a:t>
+              <a:t>11/19/19</a:t>
             </a:fld>
             <a:endParaRPr lang="en-US"/>
           </a:p>
@@ -2904,7 +2911,7 @@
           <a:p>
             <a:fld id="{D4C3F21E-C350-DA40-BA88-55A8C800D69F}" type="datetimeFigureOut">
               <a:rPr lang="en-US" smtClean="0"/>
-              <a:t>11/17/19</a:t>
+              <a:t>11/19/19</a:t>
             </a:fld>
             <a:endParaRPr lang="en-US"/>
           </a:p>
@@ -3630,6 +3637,326 @@
 </p:sld>
 </file>
 
+<file path=ppt/slides/slide2.xml><?xml version="1.0" encoding="utf-8"?>
+<p:sld xmlns:a="http://schemas.openxmlformats.org/drawingml/2006/main" xmlns:r="http://schemas.openxmlformats.org/officeDocument/2006/relationships" xmlns:p="http://schemas.openxmlformats.org/presentationml/2006/main">
+  <p:cSld>
+    <p:spTree>
+      <p:nvGrpSpPr>
+        <p:cNvPr id="1" name=""/>
+        <p:cNvGrpSpPr/>
+        <p:nvPr/>
+      </p:nvGrpSpPr>
+      <p:grpSpPr>
+        <a:xfrm>
+          <a:off x="0" y="0"/>
+          <a:ext cx="0" cy="0"/>
+          <a:chOff x="0" y="0"/>
+          <a:chExt cx="0" cy="0"/>
+        </a:xfrm>
+      </p:grpSpPr>
+      <p:sp>
+        <p:nvSpPr>
+          <p:cNvPr id="6" name="Rectangle 5">
+            <a:extLst>
+              <a:ext uri="{FF2B5EF4-FFF2-40B4-BE49-F238E27FC236}">
+                <a16:creationId xmlns:a16="http://schemas.microsoft.com/office/drawing/2014/main" id="{F9C65903-E660-804F-87DB-F3BEC9E27D66}"/>
+              </a:ext>
+            </a:extLst>
+          </p:cNvPr>
+          <p:cNvSpPr/>
+          <p:nvPr/>
+        </p:nvSpPr>
+        <p:spPr>
+          <a:xfrm>
+            <a:off x="701749" y="928255"/>
+            <a:ext cx="7721815" cy="5126181"/>
+          </a:xfrm>
+          <a:prstGeom prst="rect">
+            <a:avLst/>
+          </a:prstGeom>
+          <a:noFill/>
+          <a:effectLst>
+            <a:outerShdw blurRad="50800" dist="38100" dir="2700000" algn="tl" rotWithShape="0">
+              <a:prstClr val="black">
+                <a:alpha val="40000"/>
+              </a:prstClr>
+            </a:outerShdw>
+          </a:effectLst>
+        </p:spPr>
+        <p:style>
+          <a:lnRef idx="2">
+            <a:schemeClr val="accent1">
+              <a:shade val="50000"/>
+            </a:schemeClr>
+          </a:lnRef>
+          <a:fillRef idx="1">
+            <a:schemeClr val="accent1"/>
+          </a:fillRef>
+          <a:effectRef idx="0">
+            <a:schemeClr val="accent1"/>
+          </a:effectRef>
+          <a:fontRef idx="minor">
+            <a:schemeClr val="lt1"/>
+          </a:fontRef>
+        </p:style>
+        <p:txBody>
+          <a:bodyPr rtlCol="0" anchor="ctr"/>
+          <a:lstStyle/>
+          <a:p>
+            <a:pPr algn="ctr"/>
+            <a:endParaRPr lang="en-US"/>
+          </a:p>
+        </p:txBody>
+      </p:sp>
+      <p:pic>
+        <p:nvPicPr>
+          <p:cNvPr id="4" name="Picture 3">
+            <a:extLst>
+              <a:ext uri="{FF2B5EF4-FFF2-40B4-BE49-F238E27FC236}">
+                <a16:creationId xmlns:a16="http://schemas.microsoft.com/office/drawing/2014/main" id="{A46A5BE1-43EB-FD4C-9BC7-C769E19C1580}"/>
+              </a:ext>
+            </a:extLst>
+          </p:cNvPr>
+          <p:cNvPicPr>
+            <a:picLocks noChangeAspect="1"/>
+          </p:cNvPicPr>
+          <p:nvPr/>
+        </p:nvPicPr>
+        <p:blipFill>
+          <a:blip r:embed="rId2"/>
+          <a:stretch>
+            <a:fillRect/>
+          </a:stretch>
+        </p:blipFill>
+        <p:spPr>
+          <a:xfrm>
+            <a:off x="962891" y="1702377"/>
+            <a:ext cx="7281572" cy="4102677"/>
+          </a:xfrm>
+          <a:prstGeom prst="rect">
+            <a:avLst/>
+          </a:prstGeom>
+        </p:spPr>
+      </p:pic>
+      <p:sp>
+        <p:nvSpPr>
+          <p:cNvPr id="5" name="Rectangle 4">
+            <a:extLst>
+              <a:ext uri="{FF2B5EF4-FFF2-40B4-BE49-F238E27FC236}">
+                <a16:creationId xmlns:a16="http://schemas.microsoft.com/office/drawing/2014/main" id="{8BC0FA99-68A6-0845-A159-5C7271395E5C}"/>
+              </a:ext>
+            </a:extLst>
+          </p:cNvPr>
+          <p:cNvSpPr/>
+          <p:nvPr/>
+        </p:nvSpPr>
+        <p:spPr>
+          <a:xfrm>
+            <a:off x="1792408" y="1094510"/>
+            <a:ext cx="5000087" cy="369332"/>
+          </a:xfrm>
+          <a:prstGeom prst="rect">
+            <a:avLst/>
+          </a:prstGeom>
+        </p:spPr>
+        <p:txBody>
+          <a:bodyPr wrap="none">
+            <a:spAutoFit/>
+          </a:bodyPr>
+          <a:lstStyle/>
+          <a:p>
+            <a:r>
+              <a:rPr lang="en-US" dirty="0">
+                <a:solidFill>
+                  <a:srgbClr val="2A2A2A"/>
+                </a:solidFill>
+                <a:latin typeface="American Typewriter" panose="02090604020004020304" pitchFamily="18" charset="77"/>
+              </a:rPr>
+              <a:t>Top pill manufacturers, 2006 through 2012</a:t>
+            </a:r>
+            <a:endParaRPr lang="en-US" b="0" i="0" dirty="0">
+              <a:solidFill>
+                <a:srgbClr val="2A2A2A"/>
+              </a:solidFill>
+              <a:effectLst/>
+              <a:latin typeface="American Typewriter" panose="02090604020004020304" pitchFamily="18" charset="77"/>
+            </a:endParaRPr>
+          </a:p>
+        </p:txBody>
+      </p:sp>
+    </p:spTree>
+    <p:extLst>
+      <p:ext uri="{BB962C8B-B14F-4D97-AF65-F5344CB8AC3E}">
+        <p14:creationId xmlns:p14="http://schemas.microsoft.com/office/powerpoint/2010/main" val="411653240"/>
+      </p:ext>
+    </p:extLst>
+  </p:cSld>
+  <p:clrMapOvr>
+    <a:masterClrMapping/>
+  </p:clrMapOvr>
+</p:sld>
+</file>
+
+<file path=ppt/slides/slide3.xml><?xml version="1.0" encoding="utf-8"?>
+<p:sld xmlns:a="http://schemas.openxmlformats.org/drawingml/2006/main" xmlns:r="http://schemas.openxmlformats.org/officeDocument/2006/relationships" xmlns:p="http://schemas.openxmlformats.org/presentationml/2006/main">
+  <p:cSld>
+    <p:spTree>
+      <p:nvGrpSpPr>
+        <p:cNvPr id="1" name=""/>
+        <p:cNvGrpSpPr/>
+        <p:nvPr/>
+      </p:nvGrpSpPr>
+      <p:grpSpPr>
+        <a:xfrm>
+          <a:off x="0" y="0"/>
+          <a:ext cx="0" cy="0"/>
+          <a:chOff x="0" y="0"/>
+          <a:chExt cx="0" cy="0"/>
+        </a:xfrm>
+      </p:grpSpPr>
+      <p:pic>
+        <p:nvPicPr>
+          <p:cNvPr id="4" name="Picture 3">
+            <a:extLst>
+              <a:ext uri="{FF2B5EF4-FFF2-40B4-BE49-F238E27FC236}">
+                <a16:creationId xmlns:a16="http://schemas.microsoft.com/office/drawing/2014/main" id="{6DEBBE87-B934-D646-AB2C-2964A17EF731}"/>
+              </a:ext>
+            </a:extLst>
+          </p:cNvPr>
+          <p:cNvPicPr>
+            <a:picLocks noChangeAspect="1"/>
+          </p:cNvPicPr>
+          <p:nvPr/>
+        </p:nvPicPr>
+        <p:blipFill>
+          <a:blip r:embed="rId2"/>
+          <a:stretch>
+            <a:fillRect/>
+          </a:stretch>
+        </p:blipFill>
+        <p:spPr>
+          <a:xfrm>
+            <a:off x="1822193" y="1609491"/>
+            <a:ext cx="7339476" cy="4126173"/>
+          </a:xfrm>
+          <a:prstGeom prst="rect">
+            <a:avLst/>
+          </a:prstGeom>
+        </p:spPr>
+      </p:pic>
+      <p:sp>
+        <p:nvSpPr>
+          <p:cNvPr id="5" name="Rectangle 4">
+            <a:extLst>
+              <a:ext uri="{FF2B5EF4-FFF2-40B4-BE49-F238E27FC236}">
+                <a16:creationId xmlns:a16="http://schemas.microsoft.com/office/drawing/2014/main" id="{940A84A8-8714-5348-B37F-80B443EE6073}"/>
+              </a:ext>
+            </a:extLst>
+          </p:cNvPr>
+          <p:cNvSpPr/>
+          <p:nvPr/>
+        </p:nvSpPr>
+        <p:spPr>
+          <a:xfrm>
+            <a:off x="2739836" y="1122335"/>
+            <a:ext cx="4664610" cy="369332"/>
+          </a:xfrm>
+          <a:prstGeom prst="rect">
+            <a:avLst/>
+          </a:prstGeom>
+        </p:spPr>
+        <p:txBody>
+          <a:bodyPr wrap="none">
+            <a:spAutoFit/>
+          </a:bodyPr>
+          <a:lstStyle/>
+          <a:p>
+            <a:r>
+              <a:rPr lang="en-US" dirty="0">
+                <a:solidFill>
+                  <a:srgbClr val="2A2A2A"/>
+                </a:solidFill>
+                <a:latin typeface="American Typewriter" panose="02090604020004020304" pitchFamily="18" charset="77"/>
+              </a:rPr>
+              <a:t>Top pill distributors, 2006 through 2012</a:t>
+            </a:r>
+            <a:endParaRPr lang="en-US" i="0" dirty="0">
+              <a:solidFill>
+                <a:srgbClr val="2A2A2A"/>
+              </a:solidFill>
+              <a:effectLst/>
+              <a:latin typeface="American Typewriter" panose="02090604020004020304" pitchFamily="18" charset="77"/>
+            </a:endParaRPr>
+          </a:p>
+        </p:txBody>
+      </p:sp>
+      <p:sp>
+        <p:nvSpPr>
+          <p:cNvPr id="6" name="Rectangle 5">
+            <a:extLst>
+              <a:ext uri="{FF2B5EF4-FFF2-40B4-BE49-F238E27FC236}">
+                <a16:creationId xmlns:a16="http://schemas.microsoft.com/office/drawing/2014/main" id="{5DEF0CE8-7513-F044-907F-829669CA09B3}"/>
+              </a:ext>
+            </a:extLst>
+          </p:cNvPr>
+          <p:cNvSpPr/>
+          <p:nvPr/>
+        </p:nvSpPr>
+        <p:spPr>
+          <a:xfrm>
+            <a:off x="1594880" y="885725"/>
+            <a:ext cx="7721815" cy="5126181"/>
+          </a:xfrm>
+          <a:prstGeom prst="rect">
+            <a:avLst/>
+          </a:prstGeom>
+          <a:noFill/>
+          <a:effectLst>
+            <a:outerShdw blurRad="50800" dist="38100" dir="2700000" algn="tl" rotWithShape="0">
+              <a:prstClr val="black">
+                <a:alpha val="40000"/>
+              </a:prstClr>
+            </a:outerShdw>
+          </a:effectLst>
+        </p:spPr>
+        <p:style>
+          <a:lnRef idx="2">
+            <a:schemeClr val="accent1">
+              <a:shade val="50000"/>
+            </a:schemeClr>
+          </a:lnRef>
+          <a:fillRef idx="1">
+            <a:schemeClr val="accent1"/>
+          </a:fillRef>
+          <a:effectRef idx="0">
+            <a:schemeClr val="accent1"/>
+          </a:effectRef>
+          <a:fontRef idx="minor">
+            <a:schemeClr val="lt1"/>
+          </a:fontRef>
+        </p:style>
+        <p:txBody>
+          <a:bodyPr rtlCol="0" anchor="ctr"/>
+          <a:lstStyle/>
+          <a:p>
+            <a:pPr algn="ctr"/>
+            <a:endParaRPr lang="en-US"/>
+          </a:p>
+        </p:txBody>
+      </p:sp>
+    </p:spTree>
+    <p:extLst>
+      <p:ext uri="{BB962C8B-B14F-4D97-AF65-F5344CB8AC3E}">
+        <p14:creationId xmlns:p14="http://schemas.microsoft.com/office/powerpoint/2010/main" val="2263866846"/>
+      </p:ext>
+    </p:extLst>
+  </p:cSld>
+  <p:clrMapOvr>
+    <a:masterClrMapping/>
+  </p:clrMapOvr>
+</p:sld>
+</file>
+
 <file path=ppt/theme/theme1.xml><?xml version="1.0" encoding="utf-8"?>
 <a:theme xmlns:a="http://schemas.openxmlformats.org/drawingml/2006/main" name="Office Theme">
   <a:themeElements>
